--- a/PPTs/Shashank/Week - 1.pptx
+++ b/PPTs/Shashank/Week - 1.pptx
@@ -5,7 +5,7 @@
     <p:sldMasterId id="2147483660" r:id="rId1"/>
   </p:sldMasterIdLst>
   <p:notesMasterIdLst>
-    <p:notesMasterId r:id="rId13"/>
+    <p:notesMasterId r:id="rId14"/>
   </p:notesMasterIdLst>
   <p:sldIdLst>
     <p:sldId id="256" r:id="rId2"/>
@@ -17,8 +17,9 @@
     <p:sldId id="260" r:id="rId8"/>
     <p:sldId id="261" r:id="rId9"/>
     <p:sldId id="262" r:id="rId10"/>
-    <p:sldId id="263" r:id="rId11"/>
-    <p:sldId id="264" r:id="rId12"/>
+    <p:sldId id="267" r:id="rId11"/>
+    <p:sldId id="263" r:id="rId12"/>
+    <p:sldId id="264" r:id="rId13"/>
   </p:sldIdLst>
   <p:sldSz cx="12192000" cy="6858000"/>
   <p:notesSz cx="6858000" cy="9144000"/>
@@ -207,7 +208,7 @@
           <a:p>
             <a:fld id="{8A19E155-0743-462D-8922-2E2F11421122}" type="datetimeFigureOut">
               <a:rPr lang="en-IN" smtClean="0"/>
-              <a:t>12-01-2021</a:t>
+              <a:t>13-01-2021</a:t>
             </a:fld>
             <a:endParaRPr lang="en-IN"/>
           </a:p>
@@ -701,7 +702,7 @@
           <a:p>
             <a:fld id="{AA0C17FF-55D3-4A7E-A61C-5F8FABFB0E92}" type="datetime1">
               <a:rPr lang="en-IN" smtClean="0"/>
-              <a:t>12-01-2021</a:t>
+              <a:t>13-01-2021</a:t>
             </a:fld>
             <a:endParaRPr lang="en-IN"/>
           </a:p>
@@ -909,7 +910,7 @@
           <a:p>
             <a:fld id="{20BB6E2C-A6E6-4F60-B03B-EFE34EAA732A}" type="datetime1">
               <a:rPr lang="en-IN" smtClean="0"/>
-              <a:t>12-01-2021</a:t>
+              <a:t>13-01-2021</a:t>
             </a:fld>
             <a:endParaRPr lang="en-IN"/>
           </a:p>
@@ -1165,7 +1166,7 @@
           <a:p>
             <a:fld id="{0CC3E39B-2361-434F-A35D-F4F498CD8090}" type="datetime1">
               <a:rPr lang="en-IN" smtClean="0"/>
-              <a:t>12-01-2021</a:t>
+              <a:t>13-01-2021</a:t>
             </a:fld>
             <a:endParaRPr lang="en-IN"/>
           </a:p>
@@ -1339,7 +1340,7 @@
           <a:p>
             <a:fld id="{BB3771BE-2709-4611-B622-2D86FD628A30}" type="datetime1">
               <a:rPr lang="en-IN" smtClean="0"/>
-              <a:t>12-01-2021</a:t>
+              <a:t>13-01-2021</a:t>
             </a:fld>
             <a:endParaRPr lang="en-IN"/>
           </a:p>
@@ -1682,7 +1683,7 @@
           <a:p>
             <a:fld id="{74AB6B00-95F4-4C92-8EF1-1F8728F337A2}" type="datetime1">
               <a:rPr lang="en-IN" smtClean="0"/>
-              <a:t>12-01-2021</a:t>
+              <a:t>13-01-2021</a:t>
             </a:fld>
             <a:endParaRPr lang="en-IN"/>
           </a:p>
@@ -1957,7 +1958,7 @@
           <a:p>
             <a:fld id="{745AFAE4-3539-4B21-BC24-4A2378AFC1CE}" type="datetime1">
               <a:rPr lang="en-IN" smtClean="0"/>
-              <a:t>12-01-2021</a:t>
+              <a:t>13-01-2021</a:t>
             </a:fld>
             <a:endParaRPr lang="en-IN"/>
           </a:p>
@@ -2336,7 +2337,7 @@
           <a:p>
             <a:fld id="{11E5D1BF-33B5-4458-B22D-647D847D2B94}" type="datetime1">
               <a:rPr lang="en-IN" smtClean="0"/>
-              <a:t>12-01-2021</a:t>
+              <a:t>13-01-2021</a:t>
             </a:fld>
             <a:endParaRPr lang="en-IN"/>
           </a:p>
@@ -2454,7 +2455,7 @@
           <a:p>
             <a:fld id="{5695D117-AD13-43A2-847C-3080396387BC}" type="datetime1">
               <a:rPr lang="en-IN" smtClean="0"/>
-              <a:t>12-01-2021</a:t>
+              <a:t>13-01-2021</a:t>
             </a:fld>
             <a:endParaRPr lang="en-IN"/>
           </a:p>
@@ -2625,7 +2626,7 @@
           <a:p>
             <a:fld id="{E9B06076-9FC2-40EA-8254-DEB98882436A}" type="datetime1">
               <a:rPr lang="en-IN" smtClean="0"/>
-              <a:t>12-01-2021</a:t>
+              <a:t>13-01-2021</a:t>
             </a:fld>
             <a:endParaRPr lang="en-IN"/>
           </a:p>
@@ -2979,7 +2980,7 @@
           <a:p>
             <a:fld id="{E0BD16F3-3561-4649-8FAE-817A891F4672}" type="datetime1">
               <a:rPr lang="en-IN" smtClean="0"/>
-              <a:t>12-01-2021</a:t>
+              <a:t>13-01-2021</a:t>
             </a:fld>
             <a:endParaRPr lang="en-IN"/>
           </a:p>
@@ -3361,7 +3362,7 @@
           <a:p>
             <a:fld id="{31713B78-F200-4293-9A40-6E0836FFEBF2}" type="datetime1">
               <a:rPr lang="en-IN" smtClean="0"/>
-              <a:t>12-01-2021</a:t>
+              <a:t>13-01-2021</a:t>
             </a:fld>
             <a:endParaRPr lang="en-IN"/>
           </a:p>
@@ -3648,7 +3649,7 @@
           <a:p>
             <a:fld id="{342FC919-9239-44A2-8490-AACFA0668D61}" type="datetime1">
               <a:rPr lang="en-IN" smtClean="0"/>
-              <a:t>12-01-2021</a:t>
+              <a:t>13-01-2021</a:t>
             </a:fld>
             <a:endParaRPr lang="en-IN"/>
           </a:p>
@@ -4232,12 +4233,8 @@
           <a:lstStyle/>
           <a:p>
             <a:r>
-              <a:rPr lang="en-IN" dirty="0" err="1"/>
-              <a:t>WEEk</a:t>
-            </a:r>
-            <a:r>
               <a:rPr lang="en-IN" dirty="0"/>
-              <a:t> - 1</a:t>
+              <a:t>Week - 1</a:t>
             </a:r>
           </a:p>
         </p:txBody>
@@ -4365,6 +4362,861 @@
           <p:cNvPr id="2" name="Title 1">
             <a:extLst>
               <a:ext uri="{FF2B5EF4-FFF2-40B4-BE49-F238E27FC236}">
+                <a16:creationId xmlns:a16="http://schemas.microsoft.com/office/drawing/2014/main" id="{319EAEC9-C4D5-457E-95AD-9287020BDABC}"/>
+              </a:ext>
+            </a:extLst>
+          </p:cNvPr>
+          <p:cNvSpPr>
+            <a:spLocks noGrp="1"/>
+          </p:cNvSpPr>
+          <p:nvPr>
+            <p:ph type="title"/>
+          </p:nvPr>
+        </p:nvSpPr>
+        <p:spPr/>
+        <p:txBody>
+          <a:bodyPr/>
+          <a:lstStyle/>
+          <a:p>
+            <a:r>
+              <a:rPr lang="en-IN" dirty="0"/>
+              <a:t>Flow of Data:</a:t>
+            </a:r>
+          </a:p>
+        </p:txBody>
+      </p:sp>
+      <p:sp>
+        <p:nvSpPr>
+          <p:cNvPr id="4" name="Slide Number Placeholder 3">
+            <a:extLst>
+              <a:ext uri="{FF2B5EF4-FFF2-40B4-BE49-F238E27FC236}">
+                <a16:creationId xmlns:a16="http://schemas.microsoft.com/office/drawing/2014/main" id="{CFEA6ECC-BBFD-42FB-88A6-989D9EDDBDB7}"/>
+              </a:ext>
+            </a:extLst>
+          </p:cNvPr>
+          <p:cNvSpPr>
+            <a:spLocks noGrp="1"/>
+          </p:cNvSpPr>
+          <p:nvPr>
+            <p:ph type="sldNum" sz="quarter" idx="12"/>
+          </p:nvPr>
+        </p:nvSpPr>
+        <p:spPr/>
+        <p:txBody>
+          <a:bodyPr/>
+          <a:lstStyle/>
+          <a:p>
+            <a:fld id="{8CDF81F7-214F-4B72-870F-903CEBDF8B4D}" type="slidenum">
+              <a:rPr lang="en-IN" smtClean="0"/>
+              <a:t>10</a:t>
+            </a:fld>
+            <a:endParaRPr lang="en-IN"/>
+          </a:p>
+        </p:txBody>
+      </p:sp>
+      <p:sp>
+        <p:nvSpPr>
+          <p:cNvPr id="6" name="TextBox 5">
+            <a:extLst>
+              <a:ext uri="{FF2B5EF4-FFF2-40B4-BE49-F238E27FC236}">
+                <a16:creationId xmlns:a16="http://schemas.microsoft.com/office/drawing/2014/main" id="{AC106CA1-205A-471B-8538-000AB0B79C1F}"/>
+              </a:ext>
+            </a:extLst>
+          </p:cNvPr>
+          <p:cNvSpPr txBox="1"/>
+          <p:nvPr/>
+        </p:nvSpPr>
+        <p:spPr>
+          <a:xfrm>
+            <a:off x="1097280" y="2157273"/>
+            <a:ext cx="2157273" cy="646331"/>
+          </a:xfrm>
+          <a:prstGeom prst="rect">
+            <a:avLst/>
+          </a:prstGeom>
+        </p:spPr>
+        <p:style>
+          <a:lnRef idx="2">
+            <a:schemeClr val="dk1"/>
+          </a:lnRef>
+          <a:fillRef idx="1">
+            <a:schemeClr val="lt1"/>
+          </a:fillRef>
+          <a:effectRef idx="0">
+            <a:schemeClr val="dk1"/>
+          </a:effectRef>
+          <a:fontRef idx="minor">
+            <a:schemeClr val="dk1"/>
+          </a:fontRef>
+        </p:style>
+        <p:txBody>
+          <a:bodyPr wrap="square" rtlCol="0">
+            <a:spAutoFit/>
+          </a:bodyPr>
+          <a:lstStyle/>
+          <a:p>
+            <a:pPr algn="ctr"/>
+            <a:r>
+              <a:rPr lang="en-IN" dirty="0"/>
+              <a:t>Extract Spectrogram from an audio file</a:t>
+            </a:r>
+          </a:p>
+        </p:txBody>
+      </p:sp>
+      <p:sp>
+        <p:nvSpPr>
+          <p:cNvPr id="7" name="TextBox 6">
+            <a:extLst>
+              <a:ext uri="{FF2B5EF4-FFF2-40B4-BE49-F238E27FC236}">
+                <a16:creationId xmlns:a16="http://schemas.microsoft.com/office/drawing/2014/main" id="{D32716A9-79A1-4B99-BD92-1AA634C9B80D}"/>
+              </a:ext>
+            </a:extLst>
+          </p:cNvPr>
+          <p:cNvSpPr txBox="1"/>
+          <p:nvPr/>
+        </p:nvSpPr>
+        <p:spPr>
+          <a:xfrm>
+            <a:off x="4870731" y="2295772"/>
+            <a:ext cx="1925565" cy="369332"/>
+          </a:xfrm>
+          <a:prstGeom prst="rect">
+            <a:avLst/>
+          </a:prstGeom>
+        </p:spPr>
+        <p:style>
+          <a:lnRef idx="2">
+            <a:schemeClr val="dk1"/>
+          </a:lnRef>
+          <a:fillRef idx="1">
+            <a:schemeClr val="lt1"/>
+          </a:fillRef>
+          <a:effectRef idx="0">
+            <a:schemeClr val="dk1"/>
+          </a:effectRef>
+          <a:fontRef idx="minor">
+            <a:schemeClr val="dk1"/>
+          </a:fontRef>
+        </p:style>
+        <p:txBody>
+          <a:bodyPr wrap="square" rtlCol="0">
+            <a:spAutoFit/>
+          </a:bodyPr>
+          <a:lstStyle/>
+          <a:p>
+            <a:pPr algn="ctr"/>
+            <a:r>
+              <a:rPr lang="en-IN" dirty="0"/>
+              <a:t>Mapping Function</a:t>
+            </a:r>
+          </a:p>
+        </p:txBody>
+      </p:sp>
+      <p:sp>
+        <p:nvSpPr>
+          <p:cNvPr id="8" name="Arrow: Right 7">
+            <a:extLst>
+              <a:ext uri="{FF2B5EF4-FFF2-40B4-BE49-F238E27FC236}">
+                <a16:creationId xmlns:a16="http://schemas.microsoft.com/office/drawing/2014/main" id="{E2CD6F40-BECB-42EB-BE83-EA0A22AA2CAE}"/>
+              </a:ext>
+            </a:extLst>
+          </p:cNvPr>
+          <p:cNvSpPr/>
+          <p:nvPr/>
+        </p:nvSpPr>
+        <p:spPr>
+          <a:xfrm>
+            <a:off x="3622973" y="2347273"/>
+            <a:ext cx="917396" cy="266330"/>
+          </a:xfrm>
+          <a:prstGeom prst="rightArrow">
+            <a:avLst/>
+          </a:prstGeom>
+        </p:spPr>
+        <p:style>
+          <a:lnRef idx="2">
+            <a:schemeClr val="accent1">
+              <a:shade val="50000"/>
+            </a:schemeClr>
+          </a:lnRef>
+          <a:fillRef idx="1">
+            <a:schemeClr val="accent1"/>
+          </a:fillRef>
+          <a:effectRef idx="0">
+            <a:schemeClr val="accent1"/>
+          </a:effectRef>
+          <a:fontRef idx="minor">
+            <a:schemeClr val="lt1"/>
+          </a:fontRef>
+        </p:style>
+        <p:txBody>
+          <a:bodyPr rtlCol="0" anchor="ctr"/>
+          <a:lstStyle/>
+          <a:p>
+            <a:pPr algn="ctr"/>
+            <a:endParaRPr lang="en-IN"/>
+          </a:p>
+        </p:txBody>
+      </p:sp>
+      <p:sp>
+        <p:nvSpPr>
+          <p:cNvPr id="9" name="TextBox 8">
+            <a:extLst>
+              <a:ext uri="{FF2B5EF4-FFF2-40B4-BE49-F238E27FC236}">
+                <a16:creationId xmlns:a16="http://schemas.microsoft.com/office/drawing/2014/main" id="{46A48505-75E5-476C-BACB-5AB710EC68FF}"/>
+              </a:ext>
+            </a:extLst>
+          </p:cNvPr>
+          <p:cNvSpPr txBox="1"/>
+          <p:nvPr/>
+        </p:nvSpPr>
+        <p:spPr>
+          <a:xfrm>
+            <a:off x="3678623" y="2093389"/>
+            <a:ext cx="793219" cy="261610"/>
+          </a:xfrm>
+          <a:prstGeom prst="rect">
+            <a:avLst/>
+          </a:prstGeom>
+          <a:noFill/>
+        </p:spPr>
+        <p:txBody>
+          <a:bodyPr wrap="square" rtlCol="0">
+            <a:spAutoFit/>
+          </a:bodyPr>
+          <a:lstStyle/>
+          <a:p>
+            <a:pPr algn="ctr"/>
+            <a:r>
+              <a:rPr lang="en-IN" sz="1100" dirty="0"/>
+              <a:t>2D Matrix</a:t>
+            </a:r>
+          </a:p>
+        </p:txBody>
+      </p:sp>
+      <p:sp>
+        <p:nvSpPr>
+          <p:cNvPr id="11" name="TextBox 10">
+            <a:extLst>
+              <a:ext uri="{FF2B5EF4-FFF2-40B4-BE49-F238E27FC236}">
+                <a16:creationId xmlns:a16="http://schemas.microsoft.com/office/drawing/2014/main" id="{70A75C1D-63E6-4986-B42F-62E80B1D161E}"/>
+              </a:ext>
+            </a:extLst>
+          </p:cNvPr>
+          <p:cNvSpPr txBox="1"/>
+          <p:nvPr/>
+        </p:nvSpPr>
+        <p:spPr>
+          <a:xfrm>
+            <a:off x="7035825" y="2093389"/>
+            <a:ext cx="1124578" cy="261610"/>
+          </a:xfrm>
+          <a:prstGeom prst="rect">
+            <a:avLst/>
+          </a:prstGeom>
+          <a:noFill/>
+        </p:spPr>
+        <p:txBody>
+          <a:bodyPr wrap="square" rtlCol="0">
+            <a:spAutoFit/>
+          </a:bodyPr>
+          <a:lstStyle/>
+          <a:p>
+            <a:pPr algn="ctr"/>
+            <a:r>
+              <a:rPr lang="en-IN" sz="1100" dirty="0"/>
+              <a:t>Modified Matrix</a:t>
+            </a:r>
+          </a:p>
+        </p:txBody>
+      </p:sp>
+      <p:sp>
+        <p:nvSpPr>
+          <p:cNvPr id="12" name="TextBox 11">
+            <a:extLst>
+              <a:ext uri="{FF2B5EF4-FFF2-40B4-BE49-F238E27FC236}">
+                <a16:creationId xmlns:a16="http://schemas.microsoft.com/office/drawing/2014/main" id="{3876BB37-7A24-4092-85AE-1FF5FED0A0FC}"/>
+              </a:ext>
+            </a:extLst>
+          </p:cNvPr>
+          <p:cNvSpPr txBox="1"/>
+          <p:nvPr/>
+        </p:nvSpPr>
+        <p:spPr>
+          <a:xfrm>
+            <a:off x="8399932" y="2295772"/>
+            <a:ext cx="1925565" cy="369332"/>
+          </a:xfrm>
+          <a:prstGeom prst="rect">
+            <a:avLst/>
+          </a:prstGeom>
+        </p:spPr>
+        <p:style>
+          <a:lnRef idx="2">
+            <a:schemeClr val="dk1"/>
+          </a:lnRef>
+          <a:fillRef idx="1">
+            <a:schemeClr val="lt1"/>
+          </a:fillRef>
+          <a:effectRef idx="0">
+            <a:schemeClr val="dk1"/>
+          </a:effectRef>
+          <a:fontRef idx="minor">
+            <a:schemeClr val="dk1"/>
+          </a:fontRef>
+        </p:style>
+        <p:txBody>
+          <a:bodyPr wrap="square" rtlCol="0">
+            <a:spAutoFit/>
+          </a:bodyPr>
+          <a:lstStyle/>
+          <a:p>
+            <a:pPr algn="ctr"/>
+            <a:r>
+              <a:rPr lang="en-IN" dirty="0"/>
+              <a:t>Store as .</a:t>
+            </a:r>
+            <a:r>
+              <a:rPr lang="en-IN" dirty="0" err="1"/>
+              <a:t>png</a:t>
+            </a:r>
+            <a:endParaRPr lang="en-IN" dirty="0"/>
+          </a:p>
+        </p:txBody>
+      </p:sp>
+      <p:sp>
+        <p:nvSpPr>
+          <p:cNvPr id="13" name="Arrow: Right 12">
+            <a:extLst>
+              <a:ext uri="{FF2B5EF4-FFF2-40B4-BE49-F238E27FC236}">
+                <a16:creationId xmlns:a16="http://schemas.microsoft.com/office/drawing/2014/main" id="{97EE5DAB-58A8-44A9-B46E-2EBC3B9F6471}"/>
+              </a:ext>
+            </a:extLst>
+          </p:cNvPr>
+          <p:cNvSpPr/>
+          <p:nvPr/>
+        </p:nvSpPr>
+        <p:spPr>
+          <a:xfrm rot="5400000">
+            <a:off x="9007607" y="3025546"/>
+            <a:ext cx="710213" cy="266330"/>
+          </a:xfrm>
+          <a:prstGeom prst="rightArrow">
+            <a:avLst/>
+          </a:prstGeom>
+        </p:spPr>
+        <p:style>
+          <a:lnRef idx="2">
+            <a:schemeClr val="accent1">
+              <a:shade val="50000"/>
+            </a:schemeClr>
+          </a:lnRef>
+          <a:fillRef idx="1">
+            <a:schemeClr val="accent1"/>
+          </a:fillRef>
+          <a:effectRef idx="0">
+            <a:schemeClr val="accent1"/>
+          </a:effectRef>
+          <a:fontRef idx="minor">
+            <a:schemeClr val="lt1"/>
+          </a:fontRef>
+        </p:style>
+        <p:txBody>
+          <a:bodyPr rtlCol="0" anchor="ctr"/>
+          <a:lstStyle/>
+          <a:p>
+            <a:pPr algn="ctr"/>
+            <a:endParaRPr lang="en-IN"/>
+          </a:p>
+        </p:txBody>
+      </p:sp>
+      <p:sp>
+        <p:nvSpPr>
+          <p:cNvPr id="15" name="Arrow: Right 14">
+            <a:extLst>
+              <a:ext uri="{FF2B5EF4-FFF2-40B4-BE49-F238E27FC236}">
+                <a16:creationId xmlns:a16="http://schemas.microsoft.com/office/drawing/2014/main" id="{68E4B94E-690C-43DA-8645-F0727B88D036}"/>
+              </a:ext>
+            </a:extLst>
+          </p:cNvPr>
+          <p:cNvSpPr/>
+          <p:nvPr/>
+        </p:nvSpPr>
+        <p:spPr>
+          <a:xfrm>
+            <a:off x="7139416" y="2370663"/>
+            <a:ext cx="917396" cy="266330"/>
+          </a:xfrm>
+          <a:prstGeom prst="rightArrow">
+            <a:avLst/>
+          </a:prstGeom>
+        </p:spPr>
+        <p:style>
+          <a:lnRef idx="2">
+            <a:schemeClr val="accent1">
+              <a:shade val="50000"/>
+            </a:schemeClr>
+          </a:lnRef>
+          <a:fillRef idx="1">
+            <a:schemeClr val="accent1"/>
+          </a:fillRef>
+          <a:effectRef idx="0">
+            <a:schemeClr val="accent1"/>
+          </a:effectRef>
+          <a:fontRef idx="minor">
+            <a:schemeClr val="lt1"/>
+          </a:fontRef>
+        </p:style>
+        <p:txBody>
+          <a:bodyPr rtlCol="0" anchor="ctr"/>
+          <a:lstStyle/>
+          <a:p>
+            <a:pPr algn="ctr"/>
+            <a:endParaRPr lang="en-IN"/>
+          </a:p>
+        </p:txBody>
+      </p:sp>
+      <p:sp>
+        <p:nvSpPr>
+          <p:cNvPr id="17" name="TextBox 16">
+            <a:extLst>
+              <a:ext uri="{FF2B5EF4-FFF2-40B4-BE49-F238E27FC236}">
+                <a16:creationId xmlns:a16="http://schemas.microsoft.com/office/drawing/2014/main" id="{A0B8A546-E70E-4CDF-BEC7-BE0A73376E4D}"/>
+              </a:ext>
+            </a:extLst>
+          </p:cNvPr>
+          <p:cNvSpPr txBox="1"/>
+          <p:nvPr/>
+        </p:nvSpPr>
+        <p:spPr>
+          <a:xfrm>
+            <a:off x="8399932" y="3655914"/>
+            <a:ext cx="1925565" cy="369332"/>
+          </a:xfrm>
+          <a:prstGeom prst="rect">
+            <a:avLst/>
+          </a:prstGeom>
+        </p:spPr>
+        <p:style>
+          <a:lnRef idx="2">
+            <a:schemeClr val="dk1"/>
+          </a:lnRef>
+          <a:fillRef idx="1">
+            <a:schemeClr val="lt1"/>
+          </a:fillRef>
+          <a:effectRef idx="0">
+            <a:schemeClr val="dk1"/>
+          </a:effectRef>
+          <a:fontRef idx="minor">
+            <a:schemeClr val="dk1"/>
+          </a:fontRef>
+        </p:style>
+        <p:txBody>
+          <a:bodyPr wrap="square" rtlCol="0">
+            <a:spAutoFit/>
+          </a:bodyPr>
+          <a:lstStyle/>
+          <a:p>
+            <a:pPr algn="ctr"/>
+            <a:r>
+              <a:rPr lang="en-IN" dirty="0"/>
+              <a:t>SinGAN</a:t>
+            </a:r>
+          </a:p>
+        </p:txBody>
+      </p:sp>
+      <p:sp>
+        <p:nvSpPr>
+          <p:cNvPr id="18" name="Arrow: Right 17">
+            <a:extLst>
+              <a:ext uri="{FF2B5EF4-FFF2-40B4-BE49-F238E27FC236}">
+                <a16:creationId xmlns:a16="http://schemas.microsoft.com/office/drawing/2014/main" id="{F58285A1-369F-47D7-8A35-DA1776D7A9C6}"/>
+              </a:ext>
+            </a:extLst>
+          </p:cNvPr>
+          <p:cNvSpPr/>
+          <p:nvPr/>
+        </p:nvSpPr>
+        <p:spPr>
+          <a:xfrm rot="5400000">
+            <a:off x="9007607" y="4412699"/>
+            <a:ext cx="710213" cy="266330"/>
+          </a:xfrm>
+          <a:prstGeom prst="rightArrow">
+            <a:avLst/>
+          </a:prstGeom>
+        </p:spPr>
+        <p:style>
+          <a:lnRef idx="2">
+            <a:schemeClr val="accent1">
+              <a:shade val="50000"/>
+            </a:schemeClr>
+          </a:lnRef>
+          <a:fillRef idx="1">
+            <a:schemeClr val="accent1"/>
+          </a:fillRef>
+          <a:effectRef idx="0">
+            <a:schemeClr val="accent1"/>
+          </a:effectRef>
+          <a:fontRef idx="minor">
+            <a:schemeClr val="lt1"/>
+          </a:fontRef>
+        </p:style>
+        <p:txBody>
+          <a:bodyPr rtlCol="0" anchor="ctr"/>
+          <a:lstStyle/>
+          <a:p>
+            <a:pPr algn="ctr"/>
+            <a:endParaRPr lang="en-IN"/>
+          </a:p>
+        </p:txBody>
+      </p:sp>
+      <p:sp>
+        <p:nvSpPr>
+          <p:cNvPr id="20" name="TextBox 19">
+            <a:extLst>
+              <a:ext uri="{FF2B5EF4-FFF2-40B4-BE49-F238E27FC236}">
+                <a16:creationId xmlns:a16="http://schemas.microsoft.com/office/drawing/2014/main" id="{941E3DF6-116F-4150-B99C-1AE8587E0A62}"/>
+              </a:ext>
+            </a:extLst>
+          </p:cNvPr>
+          <p:cNvSpPr txBox="1"/>
+          <p:nvPr/>
+        </p:nvSpPr>
+        <p:spPr>
+          <a:xfrm>
+            <a:off x="8399932" y="5066482"/>
+            <a:ext cx="1925565" cy="646331"/>
+          </a:xfrm>
+          <a:prstGeom prst="rect">
+            <a:avLst/>
+          </a:prstGeom>
+        </p:spPr>
+        <p:style>
+          <a:lnRef idx="2">
+            <a:schemeClr val="dk1"/>
+          </a:lnRef>
+          <a:fillRef idx="1">
+            <a:schemeClr val="lt1"/>
+          </a:fillRef>
+          <a:effectRef idx="0">
+            <a:schemeClr val="dk1"/>
+          </a:effectRef>
+          <a:fontRef idx="minor">
+            <a:schemeClr val="dk1"/>
+          </a:fontRef>
+        </p:style>
+        <p:txBody>
+          <a:bodyPr wrap="square" rtlCol="0">
+            <a:spAutoFit/>
+          </a:bodyPr>
+          <a:lstStyle/>
+          <a:p>
+            <a:pPr algn="ctr"/>
+            <a:r>
+              <a:rPr lang="en-IN" dirty="0"/>
+              <a:t>Spectrogram image generated</a:t>
+            </a:r>
+          </a:p>
+        </p:txBody>
+      </p:sp>
+      <p:sp>
+        <p:nvSpPr>
+          <p:cNvPr id="21" name="TextBox 20">
+            <a:extLst>
+              <a:ext uri="{FF2B5EF4-FFF2-40B4-BE49-F238E27FC236}">
+                <a16:creationId xmlns:a16="http://schemas.microsoft.com/office/drawing/2014/main" id="{63FB2AD4-D810-4984-A3B7-8B61D8C62279}"/>
+              </a:ext>
+            </a:extLst>
+          </p:cNvPr>
+          <p:cNvSpPr txBox="1"/>
+          <p:nvPr/>
+        </p:nvSpPr>
+        <p:spPr>
+          <a:xfrm>
+            <a:off x="7035825" y="4980112"/>
+            <a:ext cx="1124578" cy="261610"/>
+          </a:xfrm>
+          <a:prstGeom prst="rect">
+            <a:avLst/>
+          </a:prstGeom>
+          <a:noFill/>
+        </p:spPr>
+        <p:txBody>
+          <a:bodyPr wrap="square" rtlCol="0">
+            <a:spAutoFit/>
+          </a:bodyPr>
+          <a:lstStyle/>
+          <a:p>
+            <a:pPr algn="ctr"/>
+            <a:r>
+              <a:rPr lang="en-IN" sz="1100" dirty="0"/>
+              <a:t>Read as Matrix</a:t>
+            </a:r>
+          </a:p>
+        </p:txBody>
+      </p:sp>
+      <p:sp>
+        <p:nvSpPr>
+          <p:cNvPr id="22" name="Arrow: Right 21">
+            <a:extLst>
+              <a:ext uri="{FF2B5EF4-FFF2-40B4-BE49-F238E27FC236}">
+                <a16:creationId xmlns:a16="http://schemas.microsoft.com/office/drawing/2014/main" id="{3A61DBB7-C86D-42DC-903D-DCC9440B79B4}"/>
+              </a:ext>
+            </a:extLst>
+          </p:cNvPr>
+          <p:cNvSpPr/>
+          <p:nvPr/>
+        </p:nvSpPr>
+        <p:spPr>
+          <a:xfrm rot="10800000">
+            <a:off x="7139416" y="5241722"/>
+            <a:ext cx="917396" cy="266330"/>
+          </a:xfrm>
+          <a:prstGeom prst="rightArrow">
+            <a:avLst/>
+          </a:prstGeom>
+        </p:spPr>
+        <p:style>
+          <a:lnRef idx="2">
+            <a:schemeClr val="accent1">
+              <a:shade val="50000"/>
+            </a:schemeClr>
+          </a:lnRef>
+          <a:fillRef idx="1">
+            <a:schemeClr val="accent1"/>
+          </a:fillRef>
+          <a:effectRef idx="0">
+            <a:schemeClr val="accent1"/>
+          </a:effectRef>
+          <a:fontRef idx="minor">
+            <a:schemeClr val="lt1"/>
+          </a:fontRef>
+        </p:style>
+        <p:txBody>
+          <a:bodyPr rtlCol="0" anchor="ctr"/>
+          <a:lstStyle/>
+          <a:p>
+            <a:pPr algn="ctr"/>
+            <a:endParaRPr lang="en-IN"/>
+          </a:p>
+        </p:txBody>
+      </p:sp>
+      <p:sp>
+        <p:nvSpPr>
+          <p:cNvPr id="23" name="TextBox 22">
+            <a:extLst>
+              <a:ext uri="{FF2B5EF4-FFF2-40B4-BE49-F238E27FC236}">
+                <a16:creationId xmlns:a16="http://schemas.microsoft.com/office/drawing/2014/main" id="{F48E959F-044C-4FB4-A22D-9E12E19707ED}"/>
+              </a:ext>
+            </a:extLst>
+          </p:cNvPr>
+          <p:cNvSpPr txBox="1"/>
+          <p:nvPr/>
+        </p:nvSpPr>
+        <p:spPr>
+          <a:xfrm>
+            <a:off x="4870731" y="5088134"/>
+            <a:ext cx="1925565" cy="646331"/>
+          </a:xfrm>
+          <a:prstGeom prst="rect">
+            <a:avLst/>
+          </a:prstGeom>
+        </p:spPr>
+        <p:style>
+          <a:lnRef idx="2">
+            <a:schemeClr val="dk1"/>
+          </a:lnRef>
+          <a:fillRef idx="1">
+            <a:schemeClr val="lt1"/>
+          </a:fillRef>
+          <a:effectRef idx="0">
+            <a:schemeClr val="dk1"/>
+          </a:effectRef>
+          <a:fontRef idx="minor">
+            <a:schemeClr val="dk1"/>
+          </a:fontRef>
+        </p:style>
+        <p:txBody>
+          <a:bodyPr wrap="square" rtlCol="0">
+            <a:spAutoFit/>
+          </a:bodyPr>
+          <a:lstStyle/>
+          <a:p>
+            <a:pPr algn="ctr"/>
+            <a:r>
+              <a:rPr lang="en-IN" dirty="0"/>
+              <a:t>Un-mapping Function</a:t>
+            </a:r>
+          </a:p>
+        </p:txBody>
+      </p:sp>
+      <p:sp>
+        <p:nvSpPr>
+          <p:cNvPr id="24" name="Arrow: Right 23">
+            <a:extLst>
+              <a:ext uri="{FF2B5EF4-FFF2-40B4-BE49-F238E27FC236}">
+                <a16:creationId xmlns:a16="http://schemas.microsoft.com/office/drawing/2014/main" id="{C0F55700-8505-4E2E-BB0F-52E4DD87B461}"/>
+              </a:ext>
+            </a:extLst>
+          </p:cNvPr>
+          <p:cNvSpPr/>
+          <p:nvPr/>
+        </p:nvSpPr>
+        <p:spPr>
+          <a:xfrm rot="10800000">
+            <a:off x="3622973" y="5241722"/>
+            <a:ext cx="917396" cy="266330"/>
+          </a:xfrm>
+          <a:prstGeom prst="rightArrow">
+            <a:avLst/>
+          </a:prstGeom>
+        </p:spPr>
+        <p:style>
+          <a:lnRef idx="2">
+            <a:schemeClr val="accent1">
+              <a:shade val="50000"/>
+            </a:schemeClr>
+          </a:lnRef>
+          <a:fillRef idx="1">
+            <a:schemeClr val="accent1"/>
+          </a:fillRef>
+          <a:effectRef idx="0">
+            <a:schemeClr val="accent1"/>
+          </a:effectRef>
+          <a:fontRef idx="minor">
+            <a:schemeClr val="lt1"/>
+          </a:fontRef>
+        </p:style>
+        <p:txBody>
+          <a:bodyPr rtlCol="0" anchor="ctr"/>
+          <a:lstStyle/>
+          <a:p>
+            <a:pPr algn="ctr"/>
+            <a:endParaRPr lang="en-IN"/>
+          </a:p>
+        </p:txBody>
+      </p:sp>
+      <p:sp>
+        <p:nvSpPr>
+          <p:cNvPr id="25" name="TextBox 24">
+            <a:extLst>
+              <a:ext uri="{FF2B5EF4-FFF2-40B4-BE49-F238E27FC236}">
+                <a16:creationId xmlns:a16="http://schemas.microsoft.com/office/drawing/2014/main" id="{41C053D1-C3FB-460A-8513-EA3A2934824E}"/>
+              </a:ext>
+            </a:extLst>
+          </p:cNvPr>
+          <p:cNvSpPr txBox="1"/>
+          <p:nvPr/>
+        </p:nvSpPr>
+        <p:spPr>
+          <a:xfrm>
+            <a:off x="3678623" y="4987838"/>
+            <a:ext cx="793219" cy="261610"/>
+          </a:xfrm>
+          <a:prstGeom prst="rect">
+            <a:avLst/>
+          </a:prstGeom>
+          <a:noFill/>
+        </p:spPr>
+        <p:txBody>
+          <a:bodyPr wrap="square" rtlCol="0">
+            <a:spAutoFit/>
+          </a:bodyPr>
+          <a:lstStyle/>
+          <a:p>
+            <a:pPr algn="ctr"/>
+            <a:r>
+              <a:rPr lang="en-IN" sz="1100" dirty="0"/>
+              <a:t>2D Matrix</a:t>
+            </a:r>
+          </a:p>
+        </p:txBody>
+      </p:sp>
+      <p:sp>
+        <p:nvSpPr>
+          <p:cNvPr id="26" name="TextBox 25">
+            <a:extLst>
+              <a:ext uri="{FF2B5EF4-FFF2-40B4-BE49-F238E27FC236}">
+                <a16:creationId xmlns:a16="http://schemas.microsoft.com/office/drawing/2014/main" id="{432357AB-A4A4-41FA-BF54-C5EB92F8253D}"/>
+              </a:ext>
+            </a:extLst>
+          </p:cNvPr>
+          <p:cNvSpPr txBox="1"/>
+          <p:nvPr/>
+        </p:nvSpPr>
+        <p:spPr>
+          <a:xfrm>
+            <a:off x="1097279" y="5051721"/>
+            <a:ext cx="2157273" cy="646331"/>
+          </a:xfrm>
+          <a:prstGeom prst="rect">
+            <a:avLst/>
+          </a:prstGeom>
+        </p:spPr>
+        <p:style>
+          <a:lnRef idx="2">
+            <a:schemeClr val="dk1"/>
+          </a:lnRef>
+          <a:fillRef idx="1">
+            <a:schemeClr val="lt1"/>
+          </a:fillRef>
+          <a:effectRef idx="0">
+            <a:schemeClr val="dk1"/>
+          </a:effectRef>
+          <a:fontRef idx="minor">
+            <a:schemeClr val="dk1"/>
+          </a:fontRef>
+        </p:style>
+        <p:txBody>
+          <a:bodyPr wrap="square" rtlCol="0">
+            <a:spAutoFit/>
+          </a:bodyPr>
+          <a:lstStyle/>
+          <a:p>
+            <a:pPr algn="ctr"/>
+            <a:r>
+              <a:rPr lang="en-IN" dirty="0"/>
+              <a:t>Reconstruct Audio from Spectrogram</a:t>
+            </a:r>
+          </a:p>
+        </p:txBody>
+      </p:sp>
+    </p:spTree>
+    <p:extLst>
+      <p:ext uri="{BB962C8B-B14F-4D97-AF65-F5344CB8AC3E}">
+        <p14:creationId xmlns:p14="http://schemas.microsoft.com/office/powerpoint/2010/main" val="1960719983"/>
+      </p:ext>
+    </p:extLst>
+  </p:cSld>
+  <p:clrMapOvr>
+    <a:masterClrMapping/>
+  </p:clrMapOvr>
+</p:sld>
+</file>
+
+<file path=ppt/slides/slide11.xml><?xml version="1.0" encoding="utf-8"?>
+<p:sld xmlns:a="http://schemas.openxmlformats.org/drawingml/2006/main" xmlns:r="http://schemas.openxmlformats.org/officeDocument/2006/relationships" xmlns:p="http://schemas.openxmlformats.org/presentationml/2006/main">
+  <p:cSld>
+    <p:spTree>
+      <p:nvGrpSpPr>
+        <p:cNvPr id="1" name=""/>
+        <p:cNvGrpSpPr/>
+        <p:nvPr/>
+      </p:nvGrpSpPr>
+      <p:grpSpPr>
+        <a:xfrm>
+          <a:off x="0" y="0"/>
+          <a:ext cx="0" cy="0"/>
+          <a:chOff x="0" y="0"/>
+          <a:chExt cx="0" cy="0"/>
+        </a:xfrm>
+      </p:grpSpPr>
+      <p:sp>
+        <p:nvSpPr>
+          <p:cNvPr id="2" name="Title 1">
+            <a:extLst>
+              <a:ext uri="{FF2B5EF4-FFF2-40B4-BE49-F238E27FC236}">
                 <a16:creationId xmlns:a16="http://schemas.microsoft.com/office/drawing/2014/main" id="{7DAE93A4-6F43-412B-8019-DAFFDA215432}"/>
               </a:ext>
             </a:extLst>
@@ -4955,7 +5807,7 @@
           <a:p>
             <a:fld id="{8CDF81F7-214F-4B72-870F-903CEBDF8B4D}" type="slidenum">
               <a:rPr lang="en-IN" smtClean="0"/>
-              <a:t>10</a:t>
+              <a:t>11</a:t>
             </a:fld>
             <a:endParaRPr lang="en-IN"/>
           </a:p>
@@ -5274,7 +6126,7 @@
 </p:sld>
 </file>
 
-<file path=ppt/slides/slide11.xml><?xml version="1.0" encoding="utf-8"?>
+<file path=ppt/slides/slide12.xml><?xml version="1.0" encoding="utf-8"?>
 <p:sld xmlns:a="http://schemas.openxmlformats.org/drawingml/2006/main" xmlns:r="http://schemas.openxmlformats.org/officeDocument/2006/relationships" xmlns:p="http://schemas.openxmlformats.org/presentationml/2006/main">
   <p:cSld>
     <p:spTree>
@@ -5344,7 +6196,7 @@
           <a:p>
             <a:fld id="{8CDF81F7-214F-4B72-870F-903CEBDF8B4D}" type="slidenum">
               <a:rPr lang="en-IN" smtClean="0"/>
-              <a:t>11</a:t>
+              <a:t>12</a:t>
             </a:fld>
             <a:endParaRPr lang="en-IN"/>
           </a:p>
@@ -6350,42 +7202,6 @@
           </a:p>
         </p:txBody>
       </p:sp>
-      <p:pic>
-        <p:nvPicPr>
-          <p:cNvPr id="5" name="Picture 4" descr="A picture containing shape&#10;&#10;Description automatically generated">
-            <a:extLst>
-              <a:ext uri="{FF2B5EF4-FFF2-40B4-BE49-F238E27FC236}">
-                <a16:creationId xmlns:a16="http://schemas.microsoft.com/office/drawing/2014/main" id="{60A05DE4-00BF-4C3F-8485-63A1536554C7}"/>
-              </a:ext>
-            </a:extLst>
-          </p:cNvPr>
-          <p:cNvPicPr>
-            <a:picLocks noChangeAspect="1"/>
-          </p:cNvPicPr>
-          <p:nvPr/>
-        </p:nvPicPr>
-        <p:blipFill>
-          <a:blip r:embed="rId2">
-            <a:extLst>
-              <a:ext uri="{28A0092B-C50C-407E-A947-70E740481C1C}">
-                <a14:useLocalDpi xmlns:a14="http://schemas.microsoft.com/office/drawing/2010/main" val="0"/>
-              </a:ext>
-            </a:extLst>
-          </a:blip>
-          <a:stretch>
-            <a:fillRect/>
-          </a:stretch>
-        </p:blipFill>
-        <p:spPr>
-          <a:xfrm>
-            <a:off x="1828800" y="4640440"/>
-            <a:ext cx="8534400" cy="1524000"/>
-          </a:xfrm>
-          <a:prstGeom prst="rect">
-            <a:avLst/>
-          </a:prstGeom>
-        </p:spPr>
-      </p:pic>
       <p:sp>
         <p:nvSpPr>
           <p:cNvPr id="4" name="Slide Number Placeholder 3">
@@ -6415,6 +7231,145 @@
           </a:p>
         </p:txBody>
       </p:sp>
+      <p:grpSp>
+        <p:nvGrpSpPr>
+          <p:cNvPr id="11" name="Group 10">
+            <a:extLst>
+              <a:ext uri="{FF2B5EF4-FFF2-40B4-BE49-F238E27FC236}">
+                <a16:creationId xmlns:a16="http://schemas.microsoft.com/office/drawing/2014/main" id="{B0ACEE51-7778-4EE8-8AC7-921C8E5CE52D}"/>
+              </a:ext>
+            </a:extLst>
+          </p:cNvPr>
+          <p:cNvGrpSpPr/>
+          <p:nvPr/>
+        </p:nvGrpSpPr>
+        <p:grpSpPr>
+          <a:xfrm>
+            <a:off x="2325724" y="4714946"/>
+            <a:ext cx="6813964" cy="1449494"/>
+            <a:chOff x="2263580" y="4721441"/>
+            <a:chExt cx="6813964" cy="1449494"/>
+          </a:xfrm>
+        </p:grpSpPr>
+        <p:pic>
+          <p:nvPicPr>
+            <p:cNvPr id="7" name="Picture 6" descr="A picture containing diagram&#10;&#10;Description automatically generated">
+              <a:extLst>
+                <a:ext uri="{FF2B5EF4-FFF2-40B4-BE49-F238E27FC236}">
+                  <a16:creationId xmlns:a16="http://schemas.microsoft.com/office/drawing/2014/main" id="{3244F96A-B708-4B2E-B8D2-4B54F9DEBA76}"/>
+                </a:ext>
+              </a:extLst>
+            </p:cNvPr>
+            <p:cNvPicPr>
+              <a:picLocks noChangeAspect="1"/>
+            </p:cNvPicPr>
+            <p:nvPr/>
+          </p:nvPicPr>
+          <p:blipFill>
+            <a:blip r:embed="rId2">
+              <a:extLst>
+                <a:ext uri="{28A0092B-C50C-407E-A947-70E740481C1C}">
+                  <a14:useLocalDpi xmlns:a14="http://schemas.microsoft.com/office/drawing/2010/main" val="0"/>
+                </a:ext>
+              </a:extLst>
+            </a:blip>
+            <a:stretch>
+              <a:fillRect/>
+            </a:stretch>
+          </p:blipFill>
+          <p:spPr>
+            <a:xfrm>
+              <a:off x="2263580" y="4721441"/>
+              <a:ext cx="3310776" cy="1449494"/>
+            </a:xfrm>
+            <a:prstGeom prst="rect">
+              <a:avLst/>
+            </a:prstGeom>
+          </p:spPr>
+        </p:pic>
+        <p:pic>
+          <p:nvPicPr>
+            <p:cNvPr id="9" name="Picture 8" descr="A group of pyramids&#10;&#10;Description automatically generated with medium confidence">
+              <a:extLst>
+                <a:ext uri="{FF2B5EF4-FFF2-40B4-BE49-F238E27FC236}">
+                  <a16:creationId xmlns:a16="http://schemas.microsoft.com/office/drawing/2014/main" id="{1AFF56CC-BEA0-4A61-B147-758D5B855D5C}"/>
+                </a:ext>
+              </a:extLst>
+            </p:cNvPr>
+            <p:cNvPicPr>
+              <a:picLocks noChangeAspect="1"/>
+            </p:cNvPicPr>
+            <p:nvPr/>
+          </p:nvPicPr>
+          <p:blipFill>
+            <a:blip r:embed="rId3">
+              <a:extLst>
+                <a:ext uri="{28A0092B-C50C-407E-A947-70E740481C1C}">
+                  <a14:useLocalDpi xmlns:a14="http://schemas.microsoft.com/office/drawing/2010/main" val="0"/>
+                </a:ext>
+              </a:extLst>
+            </a:blip>
+            <a:stretch>
+              <a:fillRect/>
+            </a:stretch>
+          </p:blipFill>
+          <p:spPr>
+            <a:xfrm>
+              <a:off x="7405685" y="4803799"/>
+              <a:ext cx="1671859" cy="1367136"/>
+            </a:xfrm>
+            <a:prstGeom prst="rect">
+              <a:avLst/>
+            </a:prstGeom>
+          </p:spPr>
+        </p:pic>
+        <p:sp>
+          <p:nvSpPr>
+            <p:cNvPr id="10" name="Arrow: Right 9">
+              <a:extLst>
+                <a:ext uri="{FF2B5EF4-FFF2-40B4-BE49-F238E27FC236}">
+                  <a16:creationId xmlns:a16="http://schemas.microsoft.com/office/drawing/2014/main" id="{91FECA66-E875-4BF1-A5CC-C5F2F06D74CC}"/>
+                </a:ext>
+              </a:extLst>
+            </p:cNvPr>
+            <p:cNvSpPr/>
+            <p:nvPr/>
+          </p:nvSpPr>
+          <p:spPr>
+            <a:xfrm>
+              <a:off x="6126480" y="5273336"/>
+              <a:ext cx="727081" cy="595758"/>
+            </a:xfrm>
+            <a:prstGeom prst="rightArrow">
+              <a:avLst/>
+            </a:prstGeom>
+          </p:spPr>
+          <p:style>
+            <a:lnRef idx="2">
+              <a:schemeClr val="accent1">
+                <a:shade val="50000"/>
+              </a:schemeClr>
+            </a:lnRef>
+            <a:fillRef idx="1">
+              <a:schemeClr val="accent1"/>
+            </a:fillRef>
+            <a:effectRef idx="0">
+              <a:schemeClr val="accent1"/>
+            </a:effectRef>
+            <a:fontRef idx="minor">
+              <a:schemeClr val="lt1"/>
+            </a:fontRef>
+          </p:style>
+          <p:txBody>
+            <a:bodyPr rtlCol="0" anchor="ctr"/>
+            <a:lstStyle/>
+            <a:p>
+              <a:pPr algn="ctr"/>
+              <a:endParaRPr lang="en-IN"/>
+            </a:p>
+          </p:txBody>
+        </p:sp>
+      </p:grpSp>
     </p:spTree>
     <p:extLst>
       <p:ext uri="{BB962C8B-B14F-4D97-AF65-F5344CB8AC3E}">
@@ -7041,6 +7996,23 @@
               <a:t>To re-convert the image (0-255 scale) generated by SinGAN to represent the spectrogram.</a:t>
             </a:r>
           </a:p>
+          <a:p>
+            <a:pPr>
+              <a:buFont typeface="Arial" panose="020B0604020202020204" pitchFamily="34" charset="0"/>
+              <a:buChar char="•"/>
+            </a:pPr>
+            <a:r>
+              <a:rPr lang="en-IN" dirty="0"/>
+              <a:t>In simpler terms, implement a pipeline for:</a:t>
+            </a:r>
+            <a:br>
+              <a:rPr lang="en-IN" dirty="0"/>
+            </a:br>
+            <a:r>
+              <a:rPr lang="en-IN" dirty="0"/>
+              <a:t>		Audio → spectrogram → SinGAN → spectrogram → Audio</a:t>
+            </a:r>
+          </a:p>
         </p:txBody>
       </p:sp>
       <p:sp>
@@ -7167,7 +8139,7 @@
             </a:pPr>
             <a:r>
               <a:rPr lang="en-IN" dirty="0"/>
-              <a:t>This generates, internally, a 2D matrix of floating point numbers that are hard to represent as an image. One solution is storing the spectrogram with the .tiff extension, which permits such values.</a:t>
+              <a:t>At its core, a spectrogram is a 2D matrix of real numbers that are difficult to represent as an image. One solution is storing the spectrogram with the .tiff extension, which permits such values.</a:t>
             </a:r>
           </a:p>
           <a:p>
@@ -7456,7 +8428,7 @@
           <a:p>
             <a:r>
               <a:rPr lang="en-IN" dirty="0"/>
-              <a:t>The Mapping Function</a:t>
+              <a:t>The Mapping(Un-mapping) Function</a:t>
             </a:r>
           </a:p>
         </p:txBody>
